--- a/docs/LogosPolytechnikos_cv2.pptx
+++ b/docs/LogosPolytechnikos_cv2.pptx
@@ -111,6 +111,11 @@
       </a:defRPr>
     </a:lvl9pPr>
   </p:defaultTextStyle>
+  <p:extLst>
+    <p:ext uri="{EFAFB233-063F-42B5-8137-9DF3F51BA10A}">
+      <p15:sldGuideLst xmlns:p15="http://schemas.microsoft.com/office/powerpoint/2012/main"/>
+    </p:ext>
+  </p:extLst>
 </p:presentation>
 </file>
 
@@ -283,7 +288,7 @@
           <a:p>
             <a:fld id="{E9A6D61F-46FE-440F-B441-1AC85289EC72}" type="datetimeFigureOut">
               <a:rPr lang="cs-CZ" smtClean="0"/>
-              <a:t>28.11.2018</a:t>
+              <a:t>01.12.2018</a:t>
             </a:fld>
             <a:endParaRPr lang="cs-CZ"/>
           </a:p>
@@ -613,7 +618,7 @@
           <a:p>
             <a:fld id="{E9A6D61F-46FE-440F-B441-1AC85289EC72}" type="datetimeFigureOut">
               <a:rPr lang="cs-CZ" smtClean="0"/>
-              <a:t>28.11.2018</a:t>
+              <a:t>01.12.2018</a:t>
             </a:fld>
             <a:endParaRPr lang="cs-CZ"/>
           </a:p>
@@ -793,7 +798,7 @@
           <a:p>
             <a:fld id="{E9A6D61F-46FE-440F-B441-1AC85289EC72}" type="datetimeFigureOut">
               <a:rPr lang="cs-CZ" smtClean="0"/>
-              <a:t>28.11.2018</a:t>
+              <a:t>01.12.2018</a:t>
             </a:fld>
             <a:endParaRPr lang="cs-CZ"/>
           </a:p>
@@ -963,7 +968,7 @@
           <a:p>
             <a:fld id="{E9A6D61F-46FE-440F-B441-1AC85289EC72}" type="datetimeFigureOut">
               <a:rPr lang="cs-CZ" smtClean="0"/>
-              <a:t>28.11.2018</a:t>
+              <a:t>01.12.2018</a:t>
             </a:fld>
             <a:endParaRPr lang="cs-CZ"/>
           </a:p>
@@ -1240,7 +1245,7 @@
           <a:p>
             <a:fld id="{E9A6D61F-46FE-440F-B441-1AC85289EC72}" type="datetimeFigureOut">
               <a:rPr lang="cs-CZ" smtClean="0"/>
-              <a:t>28.11.2018</a:t>
+              <a:t>01.12.2018</a:t>
             </a:fld>
             <a:endParaRPr lang="cs-CZ"/>
           </a:p>
@@ -1634,7 +1639,7 @@
           <a:p>
             <a:fld id="{E9A6D61F-46FE-440F-B441-1AC85289EC72}" type="datetimeFigureOut">
               <a:rPr lang="cs-CZ" smtClean="0"/>
-              <a:t>28.11.2018</a:t>
+              <a:t>01.12.2018</a:t>
             </a:fld>
             <a:endParaRPr lang="cs-CZ"/>
           </a:p>
@@ -2111,7 +2116,7 @@
           <a:p>
             <a:fld id="{E9A6D61F-46FE-440F-B441-1AC85289EC72}" type="datetimeFigureOut">
               <a:rPr lang="cs-CZ" smtClean="0"/>
-              <a:t>28.11.2018</a:t>
+              <a:t>01.12.2018</a:t>
             </a:fld>
             <a:endParaRPr lang="cs-CZ"/>
           </a:p>
@@ -2229,7 +2234,7 @@
           <a:p>
             <a:fld id="{E9A6D61F-46FE-440F-B441-1AC85289EC72}" type="datetimeFigureOut">
               <a:rPr lang="cs-CZ" smtClean="0"/>
-              <a:t>28.11.2018</a:t>
+              <a:t>01.12.2018</a:t>
             </a:fld>
             <a:endParaRPr lang="cs-CZ"/>
           </a:p>
@@ -2324,7 +2329,7 @@
           <a:p>
             <a:fld id="{E9A6D61F-46FE-440F-B441-1AC85289EC72}" type="datetimeFigureOut">
               <a:rPr lang="cs-CZ" smtClean="0"/>
-              <a:t>28.11.2018</a:t>
+              <a:t>01.12.2018</a:t>
             </a:fld>
             <a:endParaRPr lang="cs-CZ"/>
           </a:p>
@@ -2670,7 +2675,7 @@
           <a:p>
             <a:fld id="{E9A6D61F-46FE-440F-B441-1AC85289EC72}" type="datetimeFigureOut">
               <a:rPr lang="cs-CZ" smtClean="0"/>
-              <a:t>28.11.2018</a:t>
+              <a:t>01.12.2018</a:t>
             </a:fld>
             <a:endParaRPr lang="cs-CZ"/>
           </a:p>
@@ -3058,7 +3063,7 @@
           <a:p>
             <a:fld id="{E9A6D61F-46FE-440F-B441-1AC85289EC72}" type="datetimeFigureOut">
               <a:rPr lang="cs-CZ" smtClean="0"/>
-              <a:t>28.11.2018</a:t>
+              <a:t>01.12.2018</a:t>
             </a:fld>
             <a:endParaRPr lang="cs-CZ"/>
           </a:p>
@@ -3336,7 +3341,7 @@
           <a:p>
             <a:fld id="{E9A6D61F-46FE-440F-B441-1AC85289EC72}" type="datetimeFigureOut">
               <a:rPr lang="cs-CZ" smtClean="0"/>
-              <a:t>28.11.2018</a:t>
+              <a:t>01.12.2018</a:t>
             </a:fld>
             <a:endParaRPr lang="cs-CZ"/>
           </a:p>
@@ -3785,42 +3790,42 @@
   <p:extLst mod="1">
     <p:ext uri="{27BBF7A9-308A-43DC-89C8-2F10F3537804}">
       <p15:sldGuideLst xmlns:p15="http://schemas.microsoft.com/office/powerpoint/2012/main">
-        <p15:guide id="4294967295" orient="horz" pos="1368">
+        <p15:guide id="1" orient="horz" pos="1368">
           <p15:clr>
             <a:srgbClr val="F26B43"/>
           </p15:clr>
         </p15:guide>
-        <p15:guide id="4294967295" orient="horz" pos="1440">
+        <p15:guide id="2" orient="horz" pos="1440">
           <p15:clr>
             <a:srgbClr val="F26B43"/>
           </p15:clr>
         </p15:guide>
-        <p15:guide id="4294967295" orient="horz" pos="3696">
+        <p15:guide id="3" orient="horz" pos="3696">
           <p15:clr>
             <a:srgbClr val="F26B43"/>
           </p15:clr>
         </p15:guide>
-        <p15:guide id="4294967295" orient="horz" pos="432">
+        <p15:guide id="4" orient="horz" pos="432">
           <p15:clr>
             <a:srgbClr val="F26B43"/>
           </p15:clr>
         </p15:guide>
-        <p15:guide id="4294967295" orient="horz" pos="1512">
+        <p15:guide id="5" orient="horz" pos="1512">
           <p15:clr>
             <a:srgbClr val="F26B43"/>
           </p15:clr>
         </p15:guide>
-        <p15:guide id="4294967295" pos="6912">
+        <p15:guide id="6" pos="6912">
           <p15:clr>
             <a:srgbClr val="F26B43"/>
           </p15:clr>
         </p15:guide>
-        <p15:guide id="4294967295" pos="936">
+        <p15:guide id="7" pos="936">
           <p15:clr>
             <a:srgbClr val="F26B43"/>
           </p15:clr>
         </p15:guide>
-        <p15:guide id="4294967295" pos="864">
+        <p15:guide id="8" pos="864">
           <p15:clr>
             <a:srgbClr val="F26B43"/>
           </p15:clr>
@@ -4101,7 +4106,7 @@
 </file>
 
 <file path=ppt/slides/slide3.xml><?xml version="1.0" encoding="utf-8"?>
-<p:sld xmlns:a="http://schemas.openxmlformats.org/drawingml/2006/main" xmlns:r="http://schemas.openxmlformats.org/officeDocument/2006/relationships" xmlns:p="http://schemas.openxmlformats.org/presentationml/2006/main">
+<p:sld xmlns:a="http://schemas.openxmlformats.org/drawingml/2006/main" xmlns:r="http://schemas.openxmlformats.org/officeDocument/2006/relationships" xmlns:p="http://schemas.openxmlformats.org/presentationml/2006/main" show="0">
   <p:cSld>
     <p:spTree>
       <p:nvGrpSpPr>
@@ -4183,6 +4188,14 @@
   <p:clrMapOvr>
     <a:masterClrMapping/>
   </p:clrMapOvr>
+  <mc:AlternateContent xmlns:mc="http://schemas.openxmlformats.org/markup-compatibility/2006">
+    <mc:Choice xmlns:p14="http://schemas.microsoft.com/office/powerpoint/2010/main" Requires="p14">
+      <p:transition spd="slow" p14:dur="2000"/>
+    </mc:Choice>
+    <mc:Fallback>
+      <p:transition spd="slow"/>
+    </mc:Fallback>
+  </mc:AlternateContent>
   <p:timing>
     <p:tnLst>
       <p:par>
